--- a/exo-sysAdmin/930-Backup-XSys-en.pptx
+++ b/exo-sysAdmin/930-Backup-XSys-en.pptx
@@ -19777,19 +19777,95 @@
             </a:r>
             <a:r>
               <a:rPr lang="fr-FR" dirty="0" smtClean="0"/>
-              <a:t> </a:t>
-            </a:r>
-            <a:r>
-              <a:rPr lang="fr-FR" dirty="0" err="1" smtClean="0"/>
-              <a:t>eXo</a:t>
-            </a:r>
-            <a:r>
-              <a:rPr lang="fr-FR" dirty="0" smtClean="0"/>
-              <a:t> and restore </a:t>
+              <a:t> eXo and restore </a:t>
             </a:r>
             <a:r>
               <a:rPr lang="fr-FR" dirty="0" err="1" smtClean="0"/>
               <a:t>everything</a:t>
+            </a:r>
+            <a:endParaRPr lang="fr-FR" dirty="0" smtClean="0"/>
+          </a:p>
+          <a:p>
+            <a:pPr marL="584962" lvl="1" indent="-219361">
+              <a:lnSpc>
+                <a:spcPct val="100000"/>
+              </a:lnSpc>
+            </a:pPr>
+            <a:r>
+              <a:rPr lang="fr-FR" dirty="0" smtClean="0"/>
+              <a:t>Attention: If </a:t>
+            </a:r>
+            <a:r>
+              <a:rPr lang="fr-FR" dirty="0" err="1" smtClean="0"/>
+              <a:t>you</a:t>
+            </a:r>
+            <a:r>
+              <a:rPr lang="fr-FR" dirty="0" smtClean="0"/>
+              <a:t> have </a:t>
+            </a:r>
+            <a:r>
+              <a:rPr lang="fr-FR" dirty="0" err="1" smtClean="0"/>
+              <a:t>configured</a:t>
+            </a:r>
+            <a:r>
+              <a:rPr lang="fr-FR" dirty="0" smtClean="0"/>
+              <a:t> </a:t>
+            </a:r>
+            <a:r>
+              <a:rPr lang="fr-FR" dirty="0" err="1" smtClean="0"/>
+              <a:t>different</a:t>
+            </a:r>
+            <a:r>
+              <a:rPr lang="fr-FR" dirty="0" smtClean="0"/>
+              <a:t> </a:t>
+            </a:r>
+            <a:r>
+              <a:rPr lang="fr-FR" dirty="0" err="1" smtClean="0"/>
+              <a:t>paths</a:t>
+            </a:r>
+            <a:r>
+              <a:rPr lang="fr-FR" dirty="0" smtClean="0"/>
+              <a:t> on the </a:t>
+            </a:r>
+            <a:r>
+              <a:rPr lang="fr-FR" dirty="0" err="1" smtClean="0"/>
+              <a:t>fresh</a:t>
+            </a:r>
+            <a:r>
+              <a:rPr lang="fr-FR" dirty="0" smtClean="0"/>
+              <a:t> eXo instance, </a:t>
+            </a:r>
+            <a:r>
+              <a:rPr lang="fr-FR" dirty="0" err="1" smtClean="0"/>
+              <a:t>you</a:t>
+            </a:r>
+            <a:r>
+              <a:rPr lang="fr-FR" dirty="0" smtClean="0"/>
+              <a:t> have to </a:t>
+            </a:r>
+            <a:r>
+              <a:rPr lang="fr-FR" dirty="0" err="1" smtClean="0"/>
+              <a:t>delete</a:t>
+            </a:r>
+            <a:r>
+              <a:rPr lang="fr-FR" dirty="0" smtClean="0"/>
+              <a:t> the content of the SQL table </a:t>
+            </a:r>
+            <a:r>
+              <a:rPr lang="fr-FR" smtClean="0"/>
+              <a:t>jcr</a:t>
+            </a:r>
+            <a:r>
+              <a:rPr lang="fr-FR"/>
+              <a:t>_</a:t>
+            </a:r>
+            <a:r>
+              <a:rPr lang="fr-FR" smtClean="0"/>
+              <a:t>config</a:t>
+            </a:r>
+            <a:r>
+              <a:rPr lang="fr-FR" dirty="0" smtClean="0"/>
+              <a:t>.</a:t>
             </a:r>
             <a:endParaRPr lang="fr-FR" dirty="0" smtClean="0"/>
           </a:p>
@@ -20079,7 +20155,6 @@
               <a:rPr lang="en-US" sz="2800" dirty="0" smtClean="0"/>
               <a:t>Exercise</a:t>
             </a:r>
-            <a:endParaRPr lang="en-US" sz="2800" dirty="0" smtClean="0"/>
           </a:p>
         </p:txBody>
       </p:sp>
